--- a/docs/Tech Challenge Fase 4/Desenho da Solução Tech Challenge - Fase 4 v1.pptx
+++ b/docs/Tech Challenge Fase 4/Desenho da Solução Tech Challenge - Fase 4 v1.pptx
@@ -22615,7 +22615,7 @@
         </p:blipFill>
         <p:spPr>
           <a:xfrm>
-            <a:off x="10384253" y="696422"/>
+            <a:off x="8944053" y="614850"/>
             <a:ext cx="1041204" cy="1041204"/>
           </a:xfrm>
           <a:prstGeom prst="rect">
@@ -22661,7 +22661,7 @@
         </p:blipFill>
         <p:spPr>
           <a:xfrm>
-            <a:off x="9067936" y="1737626"/>
+            <a:off x="8593498" y="1641494"/>
             <a:ext cx="1790755" cy="937131"/>
           </a:xfrm>
           <a:prstGeom prst="rect">
@@ -22773,10 +22773,10 @@
       </p:pic>
       <p:pic>
         <p:nvPicPr>
-          <p:cNvPr id="19" name="Imagem 18" descr="Desenho de personagem de desenho animado">
-            <a:extLst>
-              <a:ext uri="{FF2B5EF4-FFF2-40B4-BE49-F238E27FC236}">
-                <a16:creationId xmlns:a16="http://schemas.microsoft.com/office/drawing/2014/main" id="{19E0CB67-056D-9361-A9A9-DB36824BE222}"/>
+          <p:cNvPr id="22" name="Imagem 21" descr="Logotipo&#10;&#10;Descrição gerada automaticamente">
+            <a:extLst>
+              <a:ext uri="{FF2B5EF4-FFF2-40B4-BE49-F238E27FC236}">
+                <a16:creationId xmlns:a16="http://schemas.microsoft.com/office/drawing/2014/main" id="{9DB4223B-D624-762B-DAA3-99AC48D2B9E0}"/>
               </a:ext>
             </a:extLst>
           </p:cNvPr>
@@ -22799,8 +22799,8 @@
         </p:blipFill>
         <p:spPr>
           <a:xfrm>
-            <a:off x="7969988" y="3683186"/>
-            <a:ext cx="2586622" cy="1242305"/>
+            <a:off x="8803767" y="3870998"/>
+            <a:ext cx="1197820" cy="1023138"/>
           </a:xfrm>
           <a:prstGeom prst="rect">
             <a:avLst/>
@@ -22819,10 +22819,10 @@
       </p:pic>
       <p:pic>
         <p:nvPicPr>
-          <p:cNvPr id="22" name="Imagem 21" descr="Logotipo&#10;&#10;Descrição gerada automaticamente">
-            <a:extLst>
-              <a:ext uri="{FF2B5EF4-FFF2-40B4-BE49-F238E27FC236}">
-                <a16:creationId xmlns:a16="http://schemas.microsoft.com/office/drawing/2014/main" id="{9DB4223B-D624-762B-DAA3-99AC48D2B9E0}"/>
+          <p:cNvPr id="25" name="Imagem 24" descr="Logotipo, nome da empresa&#10;&#10;Descrição gerada automaticamente">
+            <a:extLst>
+              <a:ext uri="{FF2B5EF4-FFF2-40B4-BE49-F238E27FC236}">
+                <a16:creationId xmlns:a16="http://schemas.microsoft.com/office/drawing/2014/main" id="{83FB0E0E-96FE-1A40-A3C6-547F46182272}"/>
               </a:ext>
             </a:extLst>
           </p:cNvPr>
@@ -22845,8 +22845,8 @@
         </p:blipFill>
         <p:spPr>
           <a:xfrm>
-            <a:off x="8664389" y="2660048"/>
-            <a:ext cx="1197820" cy="1023138"/>
+            <a:off x="2597827" y="2843168"/>
+            <a:ext cx="854187" cy="854187"/>
           </a:xfrm>
           <a:prstGeom prst="rect">
             <a:avLst/>
@@ -22865,66 +22865,20 @@
       </p:pic>
       <p:pic>
         <p:nvPicPr>
-          <p:cNvPr id="25" name="Imagem 24" descr="Logotipo, nome da empresa&#10;&#10;Descrição gerada automaticamente">
-            <a:extLst>
-              <a:ext uri="{FF2B5EF4-FFF2-40B4-BE49-F238E27FC236}">
-                <a16:creationId xmlns:a16="http://schemas.microsoft.com/office/drawing/2014/main" id="{83FB0E0E-96FE-1A40-A3C6-547F46182272}"/>
+          <p:cNvPr id="2050" name="Picture 2" descr="Utilizando o EF Core + FluentAPI + Bônus (carregando configurações ...">
+            <a:extLst>
+              <a:ext uri="{FF2B5EF4-FFF2-40B4-BE49-F238E27FC236}">
+                <a16:creationId xmlns:a16="http://schemas.microsoft.com/office/drawing/2014/main" id="{5E671511-E176-DD77-5652-4EAB650CE3B1}"/>
               </a:ext>
             </a:extLst>
           </p:cNvPr>
           <p:cNvPicPr>
-            <a:picLocks noChangeAspect="1"/>
+            <a:picLocks noChangeAspect="1" noChangeArrowheads="1"/>
           </p:cNvPicPr>
           <p:nvPr/>
         </p:nvPicPr>
         <p:blipFill>
           <a:blip r:embed="rId15">
-            <a:extLst>
-              <a:ext uri="{837473B0-CC2E-450A-ABE3-18F120FF3D39}">
-                <a1611:picAttrSrcUrl xmlns:a1611="http://schemas.microsoft.com/office/drawing/2016/11/main" r:id="rId16"/>
-              </a:ext>
-            </a:extLst>
-          </a:blip>
-          <a:stretch>
-            <a:fillRect/>
-          </a:stretch>
-        </p:blipFill>
-        <p:spPr>
-          <a:xfrm>
-            <a:off x="2597827" y="2843168"/>
-            <a:ext cx="854187" cy="854187"/>
-          </a:xfrm>
-          <a:prstGeom prst="rect">
-            <a:avLst/>
-          </a:prstGeom>
-          <a:ln>
-            <a:noFill/>
-          </a:ln>
-          <a:effectLst>
-            <a:outerShdw blurRad="292100" dist="139700" dir="2700000" algn="tl" rotWithShape="0">
-              <a:srgbClr val="333333">
-                <a:alpha val="65000"/>
-              </a:srgbClr>
-            </a:outerShdw>
-          </a:effectLst>
-        </p:spPr>
-      </p:pic>
-      <p:pic>
-        <p:nvPicPr>
-          <p:cNvPr id="2050" name="Picture 2" descr="Utilizando o EF Core + FluentAPI + Bônus (carregando configurações ...">
-            <a:extLst>
-              <a:ext uri="{FF2B5EF4-FFF2-40B4-BE49-F238E27FC236}">
-                <a16:creationId xmlns:a16="http://schemas.microsoft.com/office/drawing/2014/main" id="{5E671511-E176-DD77-5652-4EAB650CE3B1}"/>
-              </a:ext>
-            </a:extLst>
-          </p:cNvPr>
-          <p:cNvPicPr>
-            <a:picLocks noChangeAspect="1" noChangeArrowheads="1"/>
-          </p:cNvPicPr>
-          <p:nvPr/>
-        </p:nvPicPr>
-        <p:blipFill>
-          <a:blip r:embed="rId17">
             <a:extLst>
               <a:ext uri="{28A0092B-C50C-407E-A947-70E740481C1C}">
                 <a14:useLocalDpi xmlns:a14="http://schemas.microsoft.com/office/drawing/2010/main" val="0"/>
@@ -22980,7 +22934,7 @@
           <p:nvPr/>
         </p:nvPicPr>
         <p:blipFill>
-          <a:blip r:embed="rId18">
+          <a:blip r:embed="rId16">
             <a:extLst>
               <a:ext uri="{28A0092B-C50C-407E-A947-70E740481C1C}">
                 <a14:useLocalDpi xmlns:a14="http://schemas.microsoft.com/office/drawing/2010/main" val="0"/>
@@ -23036,7 +22990,7 @@
           <p:nvPr/>
         </p:nvPicPr>
         <p:blipFill>
-          <a:blip r:embed="rId19">
+          <a:blip r:embed="rId17">
             <a:extLst>
               <a:ext uri="{28A0092B-C50C-407E-A947-70E740481C1C}">
                 <a14:useLocalDpi xmlns:a14="http://schemas.microsoft.com/office/drawing/2010/main" val="0"/>
@@ -23092,7 +23046,7 @@
           <p:nvPr/>
         </p:nvPicPr>
         <p:blipFill>
-          <a:blip r:embed="rId20">
+          <a:blip r:embed="rId18">
             <a:extLst>
               <a:ext uri="{28A0092B-C50C-407E-A947-70E740481C1C}">
                 <a14:useLocalDpi xmlns:a14="http://schemas.microsoft.com/office/drawing/2010/main" val="0"/>
@@ -23148,7 +23102,7 @@
           <p:nvPr/>
         </p:nvPicPr>
         <p:blipFill>
-          <a:blip r:embed="rId21">
+          <a:blip r:embed="rId19">
             <a:extLst>
               <a:ext uri="{28A0092B-C50C-407E-A947-70E740481C1C}">
                 <a14:useLocalDpi xmlns:a14="http://schemas.microsoft.com/office/drawing/2010/main" val="0"/>
@@ -23204,7 +23158,7 @@
           <p:nvPr/>
         </p:nvPicPr>
         <p:blipFill>
-          <a:blip r:embed="rId22">
+          <a:blip r:embed="rId20">
             <a:extLst>
               <a:ext uri="{28A0092B-C50C-407E-A947-70E740481C1C}">
                 <a14:useLocalDpi xmlns:a14="http://schemas.microsoft.com/office/drawing/2010/main" val="0"/>
@@ -23260,7 +23214,7 @@
           <p:nvPr/>
         </p:nvPicPr>
         <p:blipFill>
-          <a:blip r:embed="rId23">
+          <a:blip r:embed="rId21">
             <a:extLst>
               <a:ext uri="{28A0092B-C50C-407E-A947-70E740481C1C}">
                 <a14:useLocalDpi xmlns:a14="http://schemas.microsoft.com/office/drawing/2010/main" val="0"/>
@@ -23457,7 +23411,7 @@
           <p:nvPr/>
         </p:nvPicPr>
         <p:blipFill>
-          <a:blip r:embed="rId24">
+          <a:blip r:embed="rId22">
             <a:extLst>
               <a:ext uri="{28A0092B-C50C-407E-A947-70E740481C1C}">
                 <a14:useLocalDpi xmlns:a14="http://schemas.microsoft.com/office/drawing/2010/main" val="0"/>
@@ -23471,7 +23425,7 @@
         </p:blipFill>
         <p:spPr bwMode="auto">
           <a:xfrm flipH="1">
-            <a:off x="9862209" y="2611003"/>
+            <a:off x="8978449" y="2630700"/>
             <a:ext cx="1023138" cy="1023138"/>
           </a:xfrm>
           <a:prstGeom prst="rect">
@@ -23503,7 +23457,7 @@
         </p:nvSpPr>
         <p:spPr>
           <a:xfrm>
-            <a:off x="10365098" y="2487792"/>
+            <a:off x="9481338" y="2507489"/>
             <a:ext cx="383024" cy="361801"/>
           </a:xfrm>
           <a:prstGeom prst="star5">

--- a/docs/Tech Challenge Fase 4/Desenho da Solução Tech Challenge - Fase 4 v1.pptx
+++ b/docs/Tech Challenge Fase 4/Desenho da Solução Tech Challenge - Fase 4 v1.pptx
@@ -10593,12 +10593,20 @@
           <a:p>
             <a:pPr rtl="0"/>
             <a:r>
+              <a:rPr lang="pt-BR">
+                <a:solidFill>
+                  <a:srgbClr val="7CEBFF"/>
+                </a:solidFill>
+              </a:rPr>
+              <a:t>FASE 4 </a:t>
+            </a:r>
+            <a:r>
               <a:rPr lang="pt-BR" dirty="0">
                 <a:solidFill>
                   <a:srgbClr val="7CEBFF"/>
                 </a:solidFill>
               </a:rPr>
-              <a:t>FASE 3 - Sistema de cadastro de contatos regionais</a:t>
+              <a:t>- Sistema de cadastro de contatos regionais</a:t>
             </a:r>
           </a:p>
         </p:txBody>
